--- a/Präsentation.pptx
+++ b/Präsentation.pptx
@@ -203,8 +203,8 @@
           <a:ln/>
           <a:effectLst/>
           <a:extLst>
-            <a:ext uri="{91240B29-F687-4f45-9708-019B960494DF}">
-              <a14:hiddenLine xmlns:a14="http://schemas.microsoft.com/office/drawing/2010/main" xmlns="" w="9525">
+            <a:ext uri="{91240B29-F687-4F45-9708-019B960494DF}">
+              <a14:hiddenLine xmlns:a14="http://schemas.microsoft.com/office/drawing/2010/main" w="9525">
                 <a:solidFill>
                   <a:srgbClr val="000000"/>
                 </a:solidFill>
@@ -1713,8 +1713,8 @@
           </a:custGeom>
           <a:ln/>
           <a:extLst>
-            <a:ext uri="{91240B29-F687-4f45-9708-019B960494DF}">
-              <a14:hiddenLine xmlns:a14="http://schemas.microsoft.com/office/drawing/2010/main" xmlns="" w="9525">
+            <a:ext uri="{91240B29-F687-4F45-9708-019B960494DF}">
+              <a14:hiddenLine xmlns:a14="http://schemas.microsoft.com/office/drawing/2010/main" w="9525">
                 <a:solidFill>
                   <a:srgbClr val="000000"/>
                 </a:solidFill>
@@ -1985,8 +1985,8 @@
           </a:custGeom>
           <a:ln/>
           <a:extLst>
-            <a:ext uri="{91240B29-F687-4f45-9708-019B960494DF}">
-              <a14:hiddenLine xmlns:a14="http://schemas.microsoft.com/office/drawing/2010/main" xmlns="" w="9525">
+            <a:ext uri="{91240B29-F687-4F45-9708-019B960494DF}">
+              <a14:hiddenLine xmlns:a14="http://schemas.microsoft.com/office/drawing/2010/main" w="9525">
                 <a:solidFill>
                   <a:srgbClr val="000000"/>
                 </a:solidFill>
@@ -2265,8 +2265,8 @@
           </a:custGeom>
           <a:ln/>
           <a:extLst>
-            <a:ext uri="{91240B29-F687-4f45-9708-019B960494DF}">
-              <a14:hiddenLine xmlns:a14="http://schemas.microsoft.com/office/drawing/2010/main" xmlns="" w="9525">
+            <a:ext uri="{91240B29-F687-4F45-9708-019B960494DF}">
+              <a14:hiddenLine xmlns:a14="http://schemas.microsoft.com/office/drawing/2010/main" w="9525">
                 <a:solidFill>
                   <a:srgbClr val="000000"/>
                 </a:solidFill>
@@ -2885,8 +2885,8 @@
           </a:custGeom>
           <a:ln/>
           <a:extLst>
-            <a:ext uri="{91240B29-F687-4f45-9708-019B960494DF}">
-              <a14:hiddenLine xmlns:a14="http://schemas.microsoft.com/office/drawing/2010/main" xmlns="" w="9525">
+            <a:ext uri="{91240B29-F687-4F45-9708-019B960494DF}">
+              <a14:hiddenLine xmlns:a14="http://schemas.microsoft.com/office/drawing/2010/main" w="9525">
                 <a:solidFill>
                   <a:srgbClr val="000000"/>
                 </a:solidFill>
@@ -3221,8 +3221,8 @@
           </a:custGeom>
           <a:ln/>
           <a:extLst>
-            <a:ext uri="{91240B29-F687-4f45-9708-019B960494DF}">
-              <a14:hiddenLine xmlns:a14="http://schemas.microsoft.com/office/drawing/2010/main" xmlns="" w="9525">
+            <a:ext uri="{91240B29-F687-4F45-9708-019B960494DF}">
+              <a14:hiddenLine xmlns:a14="http://schemas.microsoft.com/office/drawing/2010/main" w="9525">
                 <a:solidFill>
                   <a:srgbClr val="000000"/>
                 </a:solidFill>
@@ -3695,8 +3695,8 @@
           </a:custGeom>
           <a:ln/>
           <a:extLst>
-            <a:ext uri="{91240B29-F687-4f45-9708-019B960494DF}">
-              <a14:hiddenLine xmlns:a14="http://schemas.microsoft.com/office/drawing/2010/main" xmlns="" w="9525">
+            <a:ext uri="{91240B29-F687-4F45-9708-019B960494DF}">
+              <a14:hiddenLine xmlns:a14="http://schemas.microsoft.com/office/drawing/2010/main" w="9525">
                 <a:solidFill>
                   <a:srgbClr val="000000"/>
                 </a:solidFill>
@@ -4118,8 +4118,8 @@
           </a:custGeom>
           <a:ln/>
           <a:extLst>
-            <a:ext uri="{91240B29-F687-4f45-9708-019B960494DF}">
-              <a14:hiddenLine xmlns:a14="http://schemas.microsoft.com/office/drawing/2010/main" xmlns="" w="9525">
+            <a:ext uri="{91240B29-F687-4F45-9708-019B960494DF}">
+              <a14:hiddenLine xmlns:a14="http://schemas.microsoft.com/office/drawing/2010/main" w="9525">
                 <a:solidFill>
                   <a:srgbClr val="000000"/>
                 </a:solidFill>
@@ -5383,8 +5383,8 @@
         </p:nvSpPr>
         <p:spPr>
           <a:xfrm>
-            <a:off x="810001" y="5565052"/>
-            <a:ext cx="10572000" cy="434974"/>
+            <a:off x="0" y="5565052"/>
+            <a:ext cx="12191999" cy="434974"/>
           </a:xfrm>
         </p:spPr>
         <p:txBody>
@@ -5393,6 +5393,7 @@
           </a:bodyPr>
           <a:lstStyle/>
           <a:p>
+            <a:pPr algn="ctr"/>
             <a:r>
               <a:rPr lang="de-DE" sz="2800" dirty="0" smtClean="0"/>
               <a:t>Projekt von </a:t>
@@ -5533,7 +5534,7 @@
         </p:nvSpPr>
         <p:spPr>
           <a:xfrm>
-            <a:off x="-1" y="6801135"/>
+            <a:off x="0" y="6533234"/>
             <a:ext cx="6096000" cy="276999"/>
           </a:xfrm>
           <a:prstGeom prst="rect">
@@ -5638,6 +5639,13 @@
   <p:clrMapOvr>
     <a:masterClrMapping/>
   </p:clrMapOvr>
+  <p:timing>
+    <p:tnLst>
+      <p:par>
+        <p:cTn id="1" dur="indefinite" restart="never" nodeType="tmRoot"/>
+      </p:par>
+    </p:tnLst>
+  </p:timing>
 </p:sld>
 </file>
 
@@ -5872,7 +5880,7 @@
   <a:extraClrSchemeLst/>
   <a:extLst>
     <a:ext uri="{05A4C25C-085E-4340-85A3-A5531E510DB2}">
-      <thm15:themeFamily xmlns:thm15="http://schemas.microsoft.com/office/thememl/2012/main" name="Quotable" id="{39EC5628-30ED-4578-ACD8-9820EDB8E15A}" vid="{6F3559E9-1A4C-49D8-94D4-F41003531C49}"/>
+      <thm15:themeFamily xmlns:thm15="http://schemas.microsoft.com/office/thememl/2012/main" xmlns="" name="Quotable" id="{39EC5628-30ED-4578-ACD8-9820EDB8E15A}" vid="{6F3559E9-1A4C-49D8-94D4-F41003531C49}"/>
     </a:ext>
   </a:extLst>
 </a:theme>

--- a/Präsentation.pptx
+++ b/Präsentation.pptx
@@ -5,8 +5,8 @@
     <p:sldMasterId id="2147483648" r:id="rId1"/>
   </p:sldMasterIdLst>
   <p:sldIdLst>
-    <p:sldId id="256" r:id="rId2"/>
-    <p:sldId id="257" r:id="rId3"/>
+    <p:sldId id="257" r:id="rId2"/>
+    <p:sldId id="256" r:id="rId3"/>
     <p:sldId id="258" r:id="rId4"/>
   </p:sldIdLst>
   <p:sldSz cx="12192000" cy="6858000"/>
@@ -106,6 +106,22 @@
       </a:defRPr>
     </a:lvl9pPr>
   </p:defaultTextStyle>
+  <p:extLst>
+    <p:ext uri="{EFAFB233-063F-42B5-8137-9DF3F51BA10A}">
+      <p15:sldGuideLst xmlns:p15="http://schemas.microsoft.com/office/powerpoint/2012/main">
+        <p15:guide id="1" orient="horz" pos="2160">
+          <p15:clr>
+            <a:srgbClr val="A4A3A4"/>
+          </p15:clr>
+        </p15:guide>
+        <p15:guide id="2" pos="3840">
+          <p15:clr>
+            <a:srgbClr val="A4A3A4"/>
+          </p15:clr>
+        </p15:guide>
+      </p15:sldGuideLst>
+    </p:ext>
+  </p:extLst>
 </p:presentation>
 </file>
 
@@ -5349,111 +5365,6 @@
             <a:spLocks noGrp="1"/>
           </p:cNvSpPr>
           <p:nvPr>
-            <p:ph type="ctrTitle"/>
-          </p:nvPr>
-        </p:nvSpPr>
-        <p:spPr>
-          <a:xfrm>
-            <a:off x="810001" y="991947"/>
-            <a:ext cx="10572000" cy="2971051"/>
-          </a:xfrm>
-        </p:spPr>
-        <p:txBody>
-          <a:bodyPr/>
-          <a:lstStyle/>
-          <a:p>
-            <a:pPr algn="ctr"/>
-            <a:r>
-              <a:rPr lang="de-DE" sz="20000" dirty="0" smtClean="0"/>
-              <a:t>Hagrid</a:t>
-            </a:r>
-            <a:endParaRPr lang="de-DE" sz="20000" dirty="0"/>
-          </a:p>
-        </p:txBody>
-      </p:sp>
-      <p:sp>
-        <p:nvSpPr>
-          <p:cNvPr id="3" name="Untertitel 2"/>
-          <p:cNvSpPr>
-            <a:spLocks noGrp="1"/>
-          </p:cNvSpPr>
-          <p:nvPr>
-            <p:ph type="subTitle" idx="1"/>
-          </p:nvPr>
-        </p:nvSpPr>
-        <p:spPr>
-          <a:xfrm>
-            <a:off x="0" y="5565052"/>
-            <a:ext cx="12191999" cy="434974"/>
-          </a:xfrm>
-        </p:spPr>
-        <p:txBody>
-          <a:bodyPr>
-            <a:noAutofit/>
-          </a:bodyPr>
-          <a:lstStyle/>
-          <a:p>
-            <a:pPr algn="ctr"/>
-            <a:r>
-              <a:rPr lang="de-DE" sz="2800" dirty="0" smtClean="0"/>
-              <a:t>Projekt von </a:t>
-            </a:r>
-            <a:r>
-              <a:rPr lang="de-DE" sz="2800" dirty="0" err="1" smtClean="0"/>
-              <a:t>Berkay</a:t>
-            </a:r>
-            <a:r>
-              <a:rPr lang="de-DE" sz="2800" dirty="0" smtClean="0"/>
-              <a:t>, Jonas, David, Max, Luca und Thomas</a:t>
-            </a:r>
-            <a:endParaRPr lang="de-DE" sz="2800" dirty="0"/>
-          </a:p>
-        </p:txBody>
-      </p:sp>
-    </p:spTree>
-    <p:extLst>
-      <p:ext uri="{BB962C8B-B14F-4D97-AF65-F5344CB8AC3E}">
-        <p14:creationId xmlns:p14="http://schemas.microsoft.com/office/powerpoint/2010/main" val="3500032480"/>
-      </p:ext>
-    </p:extLst>
-  </p:cSld>
-  <p:clrMapOvr>
-    <a:masterClrMapping/>
-  </p:clrMapOvr>
-  <p:timing>
-    <p:tnLst>
-      <p:par>
-        <p:cTn id="1" dur="indefinite" restart="never" nodeType="tmRoot"/>
-      </p:par>
-    </p:tnLst>
-  </p:timing>
-</p:sld>
-</file>
-
-<file path=ppt/slides/slide2.xml><?xml version="1.0" encoding="utf-8"?>
-<p:sld xmlns:a="http://schemas.openxmlformats.org/drawingml/2006/main" xmlns:r="http://schemas.openxmlformats.org/officeDocument/2006/relationships" xmlns:p="http://schemas.openxmlformats.org/presentationml/2006/main">
-  <p:cSld>
-    <p:spTree>
-      <p:nvGrpSpPr>
-        <p:cNvPr id="1" name=""/>
-        <p:cNvGrpSpPr/>
-        <p:nvPr/>
-      </p:nvGrpSpPr>
-      <p:grpSpPr>
-        <a:xfrm>
-          <a:off x="0" y="0"/>
-          <a:ext cx="0" cy="0"/>
-          <a:chOff x="0" y="0"/>
-          <a:chExt cx="0" cy="0"/>
-        </a:xfrm>
-      </p:grpSpPr>
-      <p:sp>
-        <p:nvSpPr>
-          <p:cNvPr id="2" name="Titel 1"/>
-          <p:cNvSpPr>
-            <a:spLocks noGrp="1"/>
-          </p:cNvSpPr>
-          <p:nvPr>
             <p:ph type="title"/>
           </p:nvPr>
         </p:nvSpPr>
@@ -5574,6 +5485,111 @@
 </p:sld>
 </file>
 
+<file path=ppt/slides/slide2.xml><?xml version="1.0" encoding="utf-8"?>
+<p:sld xmlns:a="http://schemas.openxmlformats.org/drawingml/2006/main" xmlns:r="http://schemas.openxmlformats.org/officeDocument/2006/relationships" xmlns:p="http://schemas.openxmlformats.org/presentationml/2006/main">
+  <p:cSld>
+    <p:spTree>
+      <p:nvGrpSpPr>
+        <p:cNvPr id="1" name=""/>
+        <p:cNvGrpSpPr/>
+        <p:nvPr/>
+      </p:nvGrpSpPr>
+      <p:grpSpPr>
+        <a:xfrm>
+          <a:off x="0" y="0"/>
+          <a:ext cx="0" cy="0"/>
+          <a:chOff x="0" y="0"/>
+          <a:chExt cx="0" cy="0"/>
+        </a:xfrm>
+      </p:grpSpPr>
+      <p:sp>
+        <p:nvSpPr>
+          <p:cNvPr id="2" name="Titel 1"/>
+          <p:cNvSpPr>
+            <a:spLocks noGrp="1"/>
+          </p:cNvSpPr>
+          <p:nvPr>
+            <p:ph type="ctrTitle"/>
+          </p:nvPr>
+        </p:nvSpPr>
+        <p:spPr>
+          <a:xfrm>
+            <a:off x="810001" y="991947"/>
+            <a:ext cx="10572000" cy="2971051"/>
+          </a:xfrm>
+        </p:spPr>
+        <p:txBody>
+          <a:bodyPr/>
+          <a:lstStyle/>
+          <a:p>
+            <a:pPr algn="ctr"/>
+            <a:r>
+              <a:rPr lang="de-DE" sz="20000" dirty="0" smtClean="0"/>
+              <a:t>Hagrid</a:t>
+            </a:r>
+            <a:endParaRPr lang="de-DE" sz="20000" dirty="0"/>
+          </a:p>
+        </p:txBody>
+      </p:sp>
+      <p:sp>
+        <p:nvSpPr>
+          <p:cNvPr id="3" name="Untertitel 2"/>
+          <p:cNvSpPr>
+            <a:spLocks noGrp="1"/>
+          </p:cNvSpPr>
+          <p:nvPr>
+            <p:ph type="subTitle" idx="1"/>
+          </p:nvPr>
+        </p:nvSpPr>
+        <p:spPr>
+          <a:xfrm>
+            <a:off x="0" y="5565052"/>
+            <a:ext cx="12191999" cy="434974"/>
+          </a:xfrm>
+        </p:spPr>
+        <p:txBody>
+          <a:bodyPr>
+            <a:noAutofit/>
+          </a:bodyPr>
+          <a:lstStyle/>
+          <a:p>
+            <a:pPr algn="ctr"/>
+            <a:r>
+              <a:rPr lang="de-DE" sz="2800" dirty="0" smtClean="0"/>
+              <a:t>Projekt von </a:t>
+            </a:r>
+            <a:r>
+              <a:rPr lang="de-DE" sz="2800" dirty="0" err="1" smtClean="0"/>
+              <a:t>Berkay</a:t>
+            </a:r>
+            <a:r>
+              <a:rPr lang="de-DE" sz="2800" dirty="0" smtClean="0"/>
+              <a:t>, Jonas, David, Max, Luca und Thomas</a:t>
+            </a:r>
+            <a:endParaRPr lang="de-DE" sz="2800" dirty="0"/>
+          </a:p>
+        </p:txBody>
+      </p:sp>
+    </p:spTree>
+    <p:extLst>
+      <p:ext uri="{BB962C8B-B14F-4D97-AF65-F5344CB8AC3E}">
+        <p14:creationId xmlns:p14="http://schemas.microsoft.com/office/powerpoint/2010/main" val="3500032480"/>
+      </p:ext>
+    </p:extLst>
+  </p:cSld>
+  <p:clrMapOvr>
+    <a:masterClrMapping/>
+  </p:clrMapOvr>
+  <p:timing>
+    <p:tnLst>
+      <p:par>
+        <p:cTn id="1" dur="indefinite" restart="never" nodeType="tmRoot"/>
+      </p:par>
+    </p:tnLst>
+  </p:timing>
+</p:sld>
+</file>
+
 <file path=ppt/slides/slide3.xml><?xml version="1.0" encoding="utf-8"?>
 <p:sld xmlns:a="http://schemas.openxmlformats.org/drawingml/2006/main" xmlns:r="http://schemas.openxmlformats.org/officeDocument/2006/relationships" xmlns:p="http://schemas.openxmlformats.org/presentationml/2006/main">
   <p:cSld>
@@ -5606,46 +5622,260 @@
           <a:bodyPr/>
           <a:lstStyle/>
           <a:p>
-            <a:endParaRPr lang="de-DE"/>
-          </a:p>
-        </p:txBody>
-      </p:sp>
-      <p:sp>
-        <p:nvSpPr>
-          <p:cNvPr id="3" name="Inhaltsplatzhalter 2"/>
-          <p:cNvSpPr>
-            <a:spLocks noGrp="1"/>
-          </p:cNvSpPr>
+            <a:r>
+              <a:rPr lang="de-DE" sz="6600" dirty="0" smtClean="0"/>
+              <a:t>Legende</a:t>
+            </a:r>
+            <a:endParaRPr lang="de-DE" sz="6600" dirty="0"/>
+          </a:p>
+        </p:txBody>
+      </p:sp>
+      <p:pic>
+        <p:nvPicPr>
+          <p:cNvPr id="4" name="Inhaltsplatzhalter 3"/>
+          <p:cNvPicPr>
+            <a:picLocks noGrp="1" noChangeAspect="1"/>
+          </p:cNvPicPr>
           <p:nvPr>
             <p:ph idx="1"/>
           </p:nvPr>
-        </p:nvSpPr>
-        <p:spPr/>
-        <p:txBody>
-          <a:bodyPr/>
-          <a:lstStyle/>
-          <a:p>
-            <a:endParaRPr lang="de-DE"/>
+        </p:nvPicPr>
+        <p:blipFill>
+          <a:blip r:embed="rId2">
+            <a:duotone>
+              <a:schemeClr val="accent6">
+                <a:shade val="45000"/>
+                <a:satMod val="135000"/>
+              </a:schemeClr>
+              <a:prstClr val="white"/>
+            </a:duotone>
+            <a:extLst>
+              <a:ext uri="{28A0092B-C50C-407E-A947-70E740481C1C}">
+                <a14:useLocalDpi xmlns:a14="http://schemas.microsoft.com/office/drawing/2010/main" val="0"/>
+              </a:ext>
+            </a:extLst>
+          </a:blip>
+          <a:stretch>
+            <a:fillRect/>
+          </a:stretch>
+        </p:blipFill>
+        <p:spPr>
+          <a:xfrm>
+            <a:off x="9100464" y="2463330"/>
+            <a:ext cx="2438611" cy="2438611"/>
+          </a:xfrm>
+        </p:spPr>
+      </p:pic>
+      <p:pic>
+        <p:nvPicPr>
+          <p:cNvPr id="5" name="Grafik 4"/>
+          <p:cNvPicPr>
+            <a:picLocks noChangeAspect="1"/>
+          </p:cNvPicPr>
+          <p:nvPr/>
+        </p:nvPicPr>
+        <p:blipFill>
+          <a:blip r:embed="rId3">
+            <a:duotone>
+              <a:schemeClr val="accent3">
+                <a:shade val="45000"/>
+                <a:satMod val="135000"/>
+              </a:schemeClr>
+              <a:prstClr val="white"/>
+            </a:duotone>
+            <a:extLst>
+              <a:ext uri="{28A0092B-C50C-407E-A947-70E740481C1C}">
+                <a14:useLocalDpi xmlns:a14="http://schemas.microsoft.com/office/drawing/2010/main" val="0"/>
+              </a:ext>
+            </a:extLst>
+          </a:blip>
+          <a:stretch>
+            <a:fillRect/>
+          </a:stretch>
+        </p:blipFill>
+        <p:spPr>
+          <a:xfrm>
+            <a:off x="810000" y="2463330"/>
+            <a:ext cx="2438611" cy="2438611"/>
+          </a:xfrm>
+          <a:prstGeom prst="rect">
+            <a:avLst/>
+          </a:prstGeom>
+        </p:spPr>
+      </p:pic>
+      <p:pic>
+        <p:nvPicPr>
+          <p:cNvPr id="6" name="Grafik 5"/>
+          <p:cNvPicPr>
+            <a:picLocks noChangeAspect="1"/>
+          </p:cNvPicPr>
+          <p:nvPr/>
+        </p:nvPicPr>
+        <p:blipFill>
+          <a:blip r:embed="rId4">
+            <a:duotone>
+              <a:schemeClr val="accent4">
+                <a:shade val="45000"/>
+                <a:satMod val="135000"/>
+              </a:schemeClr>
+              <a:prstClr val="white"/>
+            </a:duotone>
+            <a:extLst>
+              <a:ext uri="{28A0092B-C50C-407E-A947-70E740481C1C}">
+                <a14:useLocalDpi xmlns:a14="http://schemas.microsoft.com/office/drawing/2010/main" val="0"/>
+              </a:ext>
+            </a:extLst>
+          </a:blip>
+          <a:stretch>
+            <a:fillRect/>
+          </a:stretch>
+        </p:blipFill>
+        <p:spPr>
+          <a:xfrm>
+            <a:off x="4955232" y="2463330"/>
+            <a:ext cx="2438611" cy="2438611"/>
+          </a:xfrm>
+          <a:prstGeom prst="rect">
+            <a:avLst/>
+          </a:prstGeom>
+        </p:spPr>
+      </p:pic>
+      <p:sp>
+        <p:nvSpPr>
+          <p:cNvPr id="7" name="Textfeld 6"/>
+          <p:cNvSpPr txBox="1"/>
+          <p:nvPr/>
+        </p:nvSpPr>
+        <p:spPr>
+          <a:xfrm>
+            <a:off x="633003" y="5485968"/>
+            <a:ext cx="2792604" cy="461665"/>
+          </a:xfrm>
+          <a:prstGeom prst="rect">
+            <a:avLst/>
+          </a:prstGeom>
+          <a:noFill/>
+        </p:spPr>
+        <p:txBody>
+          <a:bodyPr wrap="square" rtlCol="0">
+            <a:spAutoFit/>
+          </a:bodyPr>
+          <a:lstStyle/>
+          <a:p>
+            <a:r>
+              <a:rPr lang="de-DE" sz="2400" b="1" dirty="0" smtClean="0">
+                <a:solidFill>
+                  <a:schemeClr val="accent3">
+                    <a:lumMod val="75000"/>
+                  </a:schemeClr>
+                </a:solidFill>
+              </a:rPr>
+              <a:t>Alles in Ordnung !</a:t>
+            </a:r>
+            <a:endParaRPr lang="de-DE" sz="2400" b="1" dirty="0">
+              <a:solidFill>
+                <a:schemeClr val="accent3">
+                  <a:lumMod val="75000"/>
+                </a:schemeClr>
+              </a:solidFill>
+            </a:endParaRPr>
+          </a:p>
+        </p:txBody>
+      </p:sp>
+      <p:sp>
+        <p:nvSpPr>
+          <p:cNvPr id="8" name="Textfeld 7"/>
+          <p:cNvSpPr txBox="1"/>
+          <p:nvPr/>
+        </p:nvSpPr>
+        <p:spPr>
+          <a:xfrm>
+            <a:off x="4367572" y="5485965"/>
+            <a:ext cx="3613929" cy="461665"/>
+          </a:xfrm>
+          <a:prstGeom prst="rect">
+            <a:avLst/>
+          </a:prstGeom>
+          <a:noFill/>
+        </p:spPr>
+        <p:txBody>
+          <a:bodyPr wrap="square" rtlCol="0">
+            <a:spAutoFit/>
+          </a:bodyPr>
+          <a:lstStyle/>
+          <a:p>
+            <a:r>
+              <a:rPr lang="de-DE" sz="2400" b="1" dirty="0" smtClean="0">
+                <a:solidFill>
+                  <a:schemeClr val="accent4">
+                    <a:lumMod val="75000"/>
+                  </a:schemeClr>
+                </a:solidFill>
+              </a:rPr>
+              <a:t>Erhöhter Feinstaubwert</a:t>
+            </a:r>
+            <a:endParaRPr lang="de-DE" sz="2400" b="1" dirty="0">
+              <a:solidFill>
+                <a:schemeClr val="accent4">
+                  <a:lumMod val="75000"/>
+                </a:schemeClr>
+              </a:solidFill>
+            </a:endParaRPr>
+          </a:p>
+        </p:txBody>
+      </p:sp>
+      <p:sp>
+        <p:nvSpPr>
+          <p:cNvPr id="9" name="Textfeld 8"/>
+          <p:cNvSpPr txBox="1"/>
+          <p:nvPr/>
+        </p:nvSpPr>
+        <p:spPr>
+          <a:xfrm>
+            <a:off x="8694836" y="5485966"/>
+            <a:ext cx="3249865" cy="461665"/>
+          </a:xfrm>
+          <a:prstGeom prst="rect">
+            <a:avLst/>
+          </a:prstGeom>
+          <a:noFill/>
+        </p:spPr>
+        <p:txBody>
+          <a:bodyPr wrap="square" rtlCol="0">
+            <a:spAutoFit/>
+          </a:bodyPr>
+          <a:lstStyle/>
+          <a:p>
+            <a:r>
+              <a:rPr lang="de-DE" sz="2400" b="1" dirty="0" smtClean="0">
+                <a:solidFill>
+                  <a:schemeClr val="accent5">
+                    <a:lumMod val="75000"/>
+                  </a:schemeClr>
+                </a:solidFill>
+              </a:rPr>
+              <a:t>Wert über Grenzwert</a:t>
+            </a:r>
+            <a:endParaRPr lang="de-DE" sz="2400" b="1" dirty="0">
+              <a:solidFill>
+                <a:schemeClr val="accent5">
+                  <a:lumMod val="75000"/>
+                </a:schemeClr>
+              </a:solidFill>
+            </a:endParaRPr>
           </a:p>
         </p:txBody>
       </p:sp>
     </p:spTree>
     <p:extLst>
       <p:ext uri="{BB962C8B-B14F-4D97-AF65-F5344CB8AC3E}">
-        <p14:creationId xmlns:p14="http://schemas.microsoft.com/office/powerpoint/2010/main" val="1250227771"/>
+        <p14:creationId xmlns:p14="http://schemas.microsoft.com/office/powerpoint/2010/main" val="2286002272"/>
       </p:ext>
     </p:extLst>
   </p:cSld>
   <p:clrMapOvr>
     <a:masterClrMapping/>
   </p:clrMapOvr>
-  <p:timing>
-    <p:tnLst>
-      <p:par>
-        <p:cTn id="1" dur="indefinite" restart="never" nodeType="tmRoot"/>
-      </p:par>
-    </p:tnLst>
-  </p:timing>
 </p:sld>
 </file>
 
@@ -5880,7 +6110,7 @@
   <a:extraClrSchemeLst/>
   <a:extLst>
     <a:ext uri="{05A4C25C-085E-4340-85A3-A5531E510DB2}">
-      <thm15:themeFamily xmlns:thm15="http://schemas.microsoft.com/office/thememl/2012/main" xmlns="" name="Quotable" id="{39EC5628-30ED-4578-ACD8-9820EDB8E15A}" vid="{6F3559E9-1A4C-49D8-94D4-F41003531C49}"/>
+      <thm15:themeFamily xmlns:thm15="http://schemas.microsoft.com/office/thememl/2012/main" name="Quotable" id="{39EC5628-30ED-4578-ACD8-9820EDB8E15A}" vid="{6F3559E9-1A4C-49D8-94D4-F41003531C49}"/>
     </a:ext>
   </a:extLst>
 </a:theme>
